--- a/trunk/9. Presentation/AS_DeadlineTeam_Week17.pptx
+++ b/trunk/9. Presentation/AS_DeadlineTeam_Week17.pptx
@@ -127,6 +127,407 @@
     </p:ext>
   </p:extLst>
 </p:presentation>
+</file>
+
+<file path=ppt/charts/chart1.xml><?xml version="1.0" encoding="utf-8"?>
+<c:chartSpace xmlns:c="http://schemas.openxmlformats.org/drawingml/2006/chart" xmlns:a="http://schemas.openxmlformats.org/drawingml/2006/main" xmlns:r="http://schemas.openxmlformats.org/officeDocument/2006/relationships">
+  <c:date1904 val="0"/>
+  <c:lang val="en-US"/>
+  <c:roundedCorners val="0"/>
+  <mc:AlternateContent xmlns:mc="http://schemas.openxmlformats.org/markup-compatibility/2006">
+    <mc:Choice xmlns:c14="http://schemas.microsoft.com/office/drawing/2007/8/2/chart" Requires="c14">
+      <c14:style val="102"/>
+    </mc:Choice>
+    <mc:Fallback>
+      <c:style val="2"/>
+    </mc:Fallback>
+  </mc:AlternateContent>
+  <c:chart>
+    <c:title>
+      <c:tx>
+        <c:rich>
+          <a:bodyPr rot="0" spcFirstLastPara="1" vertOverflow="ellipsis" vert="horz" wrap="square" anchor="ctr" anchorCtr="1"/>
+          <a:lstStyle/>
+          <a:p>
+            <a:pPr>
+              <a:defRPr sz="1400" b="0" i="0" u="none" strike="noStrike" kern="1200" spc="0" baseline="0">
+                <a:solidFill>
+                  <a:schemeClr val="tx1">
+                    <a:lumMod val="65000"/>
+                    <a:lumOff val="35000"/>
+                  </a:schemeClr>
+                </a:solidFill>
+                <a:latin typeface="+mn-lt"/>
+                <a:ea typeface="+mn-ea"/>
+                <a:cs typeface="+mn-cs"/>
+              </a:defRPr>
+            </a:pPr>
+            <a:r>
+              <a:rPr lang="en-US"/>
+              <a:t>Time</a:t>
+            </a:r>
+            <a:r>
+              <a:rPr lang="en-US" baseline="0"/>
+              <a:t> Actual for team's work</a:t>
+            </a:r>
+            <a:endParaRPr lang="en-US"/>
+          </a:p>
+        </c:rich>
+      </c:tx>
+      <c:layout/>
+      <c:overlay val="0"/>
+      <c:spPr>
+        <a:noFill/>
+        <a:ln w="25400">
+          <a:noFill/>
+        </a:ln>
+      </c:spPr>
+    </c:title>
+    <c:autoTitleDeleted val="0"/>
+    <c:plotArea>
+      <c:layout/>
+      <c:barChart>
+        <c:barDir val="col"/>
+        <c:grouping val="clustered"/>
+        <c:varyColors val="0"/>
+        <c:ser>
+          <c:idx val="1"/>
+          <c:order val="0"/>
+          <c:tx>
+            <c:strRef>
+              <c:f>'Planned and Actual - Week17'!$C$135</c:f>
+              <c:strCache>
+                <c:ptCount val="1"/>
+                <c:pt idx="0">
+                  <c:v>Name</c:v>
+                </c:pt>
+              </c:strCache>
+            </c:strRef>
+          </c:tx>
+          <c:spPr>
+            <a:solidFill>
+              <a:srgbClr val="C0504D"/>
+            </a:solidFill>
+            <a:ln w="25400">
+              <a:noFill/>
+            </a:ln>
+          </c:spPr>
+          <c:invertIfNegative val="0"/>
+          <c:dPt>
+            <c:idx val="0"/>
+            <c:invertIfNegative val="0"/>
+            <c:bubble3D val="0"/>
+            <c:spPr>
+              <a:solidFill>
+                <a:srgbClr val="000099"/>
+              </a:solidFill>
+              <a:ln w="25400">
+                <a:noFill/>
+              </a:ln>
+            </c:spPr>
+          </c:dPt>
+          <c:dPt>
+            <c:idx val="1"/>
+            <c:invertIfNegative val="0"/>
+            <c:bubble3D val="0"/>
+            <c:spPr>
+              <a:solidFill>
+                <a:srgbClr val="0066FF"/>
+              </a:solidFill>
+              <a:ln w="25400">
+                <a:noFill/>
+              </a:ln>
+            </c:spPr>
+          </c:dPt>
+          <c:dPt>
+            <c:idx val="2"/>
+            <c:invertIfNegative val="0"/>
+            <c:bubble3D val="0"/>
+            <c:spPr>
+              <a:solidFill>
+                <a:schemeClr val="accent4">
+                  <a:lumMod val="60000"/>
+                  <a:lumOff val="40000"/>
+                </a:schemeClr>
+              </a:solidFill>
+              <a:ln>
+                <a:noFill/>
+              </a:ln>
+              <a:effectLst/>
+            </c:spPr>
+          </c:dPt>
+          <c:dPt>
+            <c:idx val="3"/>
+            <c:invertIfNegative val="0"/>
+            <c:bubble3D val="0"/>
+            <c:spPr>
+              <a:solidFill>
+                <a:srgbClr val="66FF66"/>
+              </a:solidFill>
+              <a:ln w="25400">
+                <a:noFill/>
+              </a:ln>
+            </c:spPr>
+          </c:dPt>
+          <c:dPt>
+            <c:idx val="4"/>
+            <c:invertIfNegative val="0"/>
+            <c:bubble3D val="0"/>
+            <c:spPr>
+              <a:solidFill>
+                <a:srgbClr val="FF66FF"/>
+              </a:solidFill>
+              <a:ln w="25400">
+                <a:noFill/>
+              </a:ln>
+            </c:spPr>
+          </c:dPt>
+          <c:dPt>
+            <c:idx val="5"/>
+            <c:invertIfNegative val="0"/>
+            <c:bubble3D val="0"/>
+            <c:spPr>
+              <a:solidFill>
+                <a:srgbClr val="00B0F0"/>
+              </a:solidFill>
+              <a:ln w="25400">
+                <a:noFill/>
+              </a:ln>
+            </c:spPr>
+          </c:dPt>
+          <c:dLbls>
+            <c:spPr>
+              <a:noFill/>
+              <a:ln w="25400">
+                <a:noFill/>
+              </a:ln>
+            </c:spPr>
+            <c:dLblPos val="outEnd"/>
+            <c:showLegendKey val="0"/>
+            <c:showVal val="1"/>
+            <c:showCatName val="0"/>
+            <c:showSerName val="0"/>
+            <c:showPercent val="0"/>
+            <c:showBubbleSize val="0"/>
+            <c:showLeaderLines val="0"/>
+            <c:extLst>
+              <c:ext xmlns:c15="http://schemas.microsoft.com/office/drawing/2012/chart" uri="{CE6537A1-D6FC-4f65-9D91-7224C49458BB}">
+                <c15:layout/>
+                <c15:showLeaderLines val="0"/>
+              </c:ext>
+            </c:extLst>
+          </c:dLbls>
+          <c:cat>
+            <c:strRef>
+              <c:f>'Planned and Actual - Week10'!$B$136:$B$141</c:f>
+              <c:strCache>
+                <c:ptCount val="6"/>
+                <c:pt idx="0">
+                  <c:v>Le Ngoc Chau</c:v>
+                </c:pt>
+                <c:pt idx="1">
+                  <c:v>Khau Thanh Dao</c:v>
+                </c:pt>
+                <c:pt idx="2">
+                  <c:v>Ngo Quang Huy</c:v>
+                </c:pt>
+                <c:pt idx="3">
+                  <c:v>Nguyen Phan Xuan Huy</c:v>
+                </c:pt>
+                <c:pt idx="4">
+                  <c:v>Huynh Trong Khang</c:v>
+                </c:pt>
+                <c:pt idx="5">
+                  <c:v>Ta Ngoc Thien Phu</c:v>
+                </c:pt>
+              </c:strCache>
+            </c:strRef>
+          </c:cat>
+          <c:val>
+            <c:numRef>
+              <c:f>'Planned and Actual - Week17'!$D$136:$D$141</c:f>
+              <c:numCache>
+                <c:formatCode>0.00</c:formatCode>
+                <c:ptCount val="6"/>
+                <c:pt idx="0">
+                  <c:v>23</c:v>
+                </c:pt>
+                <c:pt idx="1">
+                  <c:v>31.5</c:v>
+                </c:pt>
+                <c:pt idx="2">
+                  <c:v>29</c:v>
+                </c:pt>
+                <c:pt idx="3">
+                  <c:v>12.5</c:v>
+                </c:pt>
+                <c:pt idx="4">
+                  <c:v>32</c:v>
+                </c:pt>
+                <c:pt idx="5">
+                  <c:v>27.5</c:v>
+                </c:pt>
+              </c:numCache>
+            </c:numRef>
+          </c:val>
+        </c:ser>
+        <c:dLbls>
+          <c:showLegendKey val="0"/>
+          <c:showVal val="0"/>
+          <c:showCatName val="0"/>
+          <c:showSerName val="0"/>
+          <c:showPercent val="0"/>
+          <c:showBubbleSize val="0"/>
+        </c:dLbls>
+        <c:gapWidth val="182"/>
+        <c:axId val="-2133818832"/>
+        <c:axId val="-2133826992"/>
+      </c:barChart>
+      <c:catAx>
+        <c:axId val="-2133818832"/>
+        <c:scaling>
+          <c:orientation val="minMax"/>
+        </c:scaling>
+        <c:delete val="0"/>
+        <c:axPos val="b"/>
+        <c:numFmt formatCode="General" sourceLinked="1"/>
+        <c:majorTickMark val="none"/>
+        <c:minorTickMark val="none"/>
+        <c:tickLblPos val="nextTo"/>
+        <c:spPr>
+          <a:noFill/>
+          <a:ln w="9525" cap="flat" cmpd="sng" algn="ctr">
+            <a:solidFill>
+              <a:schemeClr val="tx1">
+                <a:lumMod val="15000"/>
+                <a:lumOff val="85000"/>
+              </a:schemeClr>
+            </a:solidFill>
+            <a:round/>
+          </a:ln>
+          <a:effectLst/>
+        </c:spPr>
+        <c:txPr>
+          <a:bodyPr rot="-60000000" spcFirstLastPara="1" vertOverflow="ellipsis" vert="horz" wrap="square" anchor="ctr" anchorCtr="1"/>
+          <a:lstStyle/>
+          <a:p>
+            <a:pPr>
+              <a:defRPr sz="900" b="0" i="0" u="none" strike="noStrike" kern="1200" baseline="0">
+                <a:solidFill>
+                  <a:schemeClr val="tx1">
+                    <a:lumMod val="65000"/>
+                    <a:lumOff val="35000"/>
+                  </a:schemeClr>
+                </a:solidFill>
+                <a:latin typeface="+mn-lt"/>
+                <a:ea typeface="+mn-ea"/>
+                <a:cs typeface="+mn-cs"/>
+              </a:defRPr>
+            </a:pPr>
+            <a:endParaRPr lang="en-US"/>
+          </a:p>
+        </c:txPr>
+        <c:crossAx val="-2133826992"/>
+        <c:crosses val="autoZero"/>
+        <c:auto val="1"/>
+        <c:lblAlgn val="ctr"/>
+        <c:lblOffset val="100"/>
+        <c:noMultiLvlLbl val="0"/>
+      </c:catAx>
+      <c:valAx>
+        <c:axId val="-2133826992"/>
+        <c:scaling>
+          <c:orientation val="minMax"/>
+        </c:scaling>
+        <c:delete val="0"/>
+        <c:axPos val="l"/>
+        <c:majorGridlines>
+          <c:spPr>
+            <a:ln w="9525" cap="flat" cmpd="sng" algn="ctr">
+              <a:solidFill>
+                <a:schemeClr val="tx1">
+                  <a:lumMod val="15000"/>
+                  <a:lumOff val="85000"/>
+                </a:schemeClr>
+              </a:solidFill>
+              <a:round/>
+            </a:ln>
+            <a:effectLst/>
+          </c:spPr>
+        </c:majorGridlines>
+        <c:numFmt formatCode="0.00" sourceLinked="1"/>
+        <c:majorTickMark val="none"/>
+        <c:minorTickMark val="none"/>
+        <c:tickLblPos val="nextTo"/>
+        <c:spPr>
+          <a:ln w="9525">
+            <a:noFill/>
+          </a:ln>
+        </c:spPr>
+        <c:txPr>
+          <a:bodyPr rot="-60000000" spcFirstLastPara="1" vertOverflow="ellipsis" vert="horz" wrap="square" anchor="ctr" anchorCtr="1"/>
+          <a:lstStyle/>
+          <a:p>
+            <a:pPr>
+              <a:defRPr sz="900" b="0" i="0" u="none" strike="noStrike" kern="1200" baseline="0">
+                <a:solidFill>
+                  <a:schemeClr val="tx1">
+                    <a:lumMod val="65000"/>
+                    <a:lumOff val="35000"/>
+                  </a:schemeClr>
+                </a:solidFill>
+                <a:latin typeface="+mn-lt"/>
+                <a:ea typeface="+mn-ea"/>
+                <a:cs typeface="+mn-cs"/>
+              </a:defRPr>
+            </a:pPr>
+            <a:endParaRPr lang="en-US"/>
+          </a:p>
+        </c:txPr>
+        <c:crossAx val="-2133818832"/>
+        <c:crosses val="autoZero"/>
+        <c:crossBetween val="between"/>
+      </c:valAx>
+      <c:spPr>
+        <a:noFill/>
+        <a:ln w="25400">
+          <a:noFill/>
+        </a:ln>
+      </c:spPr>
+    </c:plotArea>
+    <c:plotVisOnly val="1"/>
+    <c:dispBlanksAs val="gap"/>
+    <c:showDLblsOverMax val="0"/>
+  </c:chart>
+  <c:spPr>
+    <a:solidFill>
+      <a:schemeClr val="bg1"/>
+    </a:solidFill>
+    <a:ln w="9525" cap="flat" cmpd="sng" algn="ctr">
+      <a:solidFill>
+        <a:schemeClr val="tx1">
+          <a:lumMod val="15000"/>
+          <a:lumOff val="85000"/>
+        </a:schemeClr>
+      </a:solidFill>
+      <a:round/>
+    </a:ln>
+    <a:effectLst/>
+  </c:spPr>
+  <c:txPr>
+    <a:bodyPr/>
+    <a:lstStyle/>
+    <a:p>
+      <a:pPr>
+        <a:defRPr/>
+      </a:pPr>
+      <a:endParaRPr lang="en-US"/>
+    </a:p>
+  </c:txPr>
+  <c:externalData r:id="rId1">
+    <c:autoUpdate val="0"/>
+  </c:externalData>
+</c:chartSpace>
 </file>
 
 <file path=ppt/slideLayouts/slideLayout1.xml><?xml version="1.0" encoding="utf-8"?>
@@ -4081,7 +4482,6 @@
               <a:rPr lang="en-US" dirty="0" smtClean="0"/>
               <a:t>Detail design</a:t>
             </a:r>
-            <a:endParaRPr lang="en-US" dirty="0" smtClean="0"/>
           </a:p>
         </p:txBody>
       </p:sp>
@@ -4112,17 +4512,8 @@
             </a:pPr>
             <a:r>
               <a:rPr lang="en-US" dirty="0" smtClean="0"/>
-              <a:t>Review </a:t>
-            </a:r>
-            <a:r>
-              <a:rPr lang="en-US" dirty="0" smtClean="0"/>
-              <a:t>sprint </a:t>
-            </a:r>
-            <a:r>
-              <a:rPr lang="en-US" dirty="0" smtClean="0"/>
-              <a:t>backlog with product owner</a:t>
-            </a:r>
-            <a:endParaRPr lang="en-US" dirty="0" smtClean="0"/>
+              <a:t>Review sprint backlog with product owner</a:t>
+            </a:r>
           </a:p>
         </p:txBody>
       </p:sp>
@@ -4187,7 +4578,6 @@
               <a:rPr lang="en-US" dirty="0" smtClean="0"/>
               <a:t> system</a:t>
             </a:r>
-            <a:endParaRPr lang="en-US" dirty="0" smtClean="0"/>
           </a:p>
         </p:txBody>
       </p:sp>
@@ -4446,6 +4836,30 @@
           </a:p>
         </p:txBody>
       </p:sp>
+      <p:pic>
+        <p:nvPicPr>
+          <p:cNvPr id="3" name="Picture 2"/>
+          <p:cNvPicPr>
+            <a:picLocks noChangeAspect="1"/>
+          </p:cNvPicPr>
+          <p:nvPr/>
+        </p:nvPicPr>
+        <p:blipFill>
+          <a:blip r:embed="rId2"/>
+          <a:stretch>
+            <a:fillRect/>
+          </a:stretch>
+        </p:blipFill>
+        <p:spPr>
+          <a:xfrm>
+            <a:off x="1698171" y="1682616"/>
+            <a:ext cx="8982529" cy="4066488"/>
+          </a:xfrm>
+          <a:prstGeom prst="rect">
+            <a:avLst/>
+          </a:prstGeom>
+        </p:spPr>
+      </p:pic>
     </p:spTree>
     <p:extLst>
       <p:ext uri="{BB962C8B-B14F-4D97-AF65-F5344CB8AC3E}">
@@ -4701,6 +5115,30 @@
           </a:p>
         </p:txBody>
       </p:sp>
+      <p:graphicFrame>
+        <p:nvGraphicFramePr>
+          <p:cNvPr id="7" name="Chart 6"/>
+          <p:cNvGraphicFramePr>
+            <a:graphicFrameLocks/>
+          </p:cNvGraphicFramePr>
+          <p:nvPr>
+            <p:extLst>
+              <p:ext uri="{D42A27DB-BD31-4B8C-83A1-F6EECF244321}">
+                <p14:modId xmlns:p14="http://schemas.microsoft.com/office/powerpoint/2010/main" val="1826572077"/>
+              </p:ext>
+            </p:extLst>
+          </p:nvPr>
+        </p:nvGraphicFramePr>
+        <p:xfrm>
+          <a:off x="1211283" y="1690688"/>
+          <a:ext cx="9714016" cy="3902590"/>
+        </p:xfrm>
+        <a:graphic>
+          <a:graphicData uri="http://schemas.openxmlformats.org/drawingml/2006/chart">
+            <c:chart xmlns:c="http://schemas.openxmlformats.org/drawingml/2006/chart" xmlns:r="http://schemas.openxmlformats.org/officeDocument/2006/relationships" r:id="rId2"/>
+          </a:graphicData>
+        </a:graphic>
+      </p:graphicFrame>
     </p:spTree>
     <p:extLst>
       <p:ext uri="{BB962C8B-B14F-4D97-AF65-F5344CB8AC3E}">
